--- a/第二组晨间汇报20170916第一版.pptx
+++ b/第二组晨间汇报20170916第一版.pptx
@@ -2778,7 +2778,7 @@
           <a:p>
             <a:fld id="{F1EE5F07-696B-4799-A797-E8A11205AA21}" type="datetimeFigureOut">
               <a:rPr lang="zh-CN" altLang="en-US" smtClean="0"/>
-              <a:t>2017/9/16</a:t>
+              <a:t>2017/9/17</a:t>
             </a:fld>
             <a:endParaRPr lang="zh-CN" altLang="en-US"/>
           </a:p>
@@ -3512,7 +3512,7 @@
           <a:p>
             <a:fld id="{153B01FE-AAF8-4F67-9A24-B4553AC20BCC}" type="datetimeFigureOut">
               <a:rPr lang="zh-CN" altLang="en-US" smtClean="0"/>
-              <a:t>2017/9/16</a:t>
+              <a:t>2017/9/17</a:t>
             </a:fld>
             <a:endParaRPr lang="zh-CN" altLang="en-US"/>
           </a:p>
@@ -3689,7 +3689,7 @@
           <a:p>
             <a:fld id="{153B01FE-AAF8-4F67-9A24-B4553AC20BCC}" type="datetimeFigureOut">
               <a:rPr lang="zh-CN" altLang="en-US" smtClean="0"/>
-              <a:t>2017/9/16</a:t>
+              <a:t>2017/9/17</a:t>
             </a:fld>
             <a:endParaRPr lang="zh-CN" altLang="en-US"/>
           </a:p>
@@ -3869,7 +3869,7 @@
           <a:p>
             <a:fld id="{153B01FE-AAF8-4F67-9A24-B4553AC20BCC}" type="datetimeFigureOut">
               <a:rPr lang="zh-CN" altLang="en-US" smtClean="0"/>
-              <a:t>2017/9/16</a:t>
+              <a:t>2017/9/17</a:t>
             </a:fld>
             <a:endParaRPr lang="zh-CN" altLang="en-US"/>
           </a:p>
@@ -4039,7 +4039,7 @@
           <a:p>
             <a:fld id="{153B01FE-AAF8-4F67-9A24-B4553AC20BCC}" type="datetimeFigureOut">
               <a:rPr lang="zh-CN" altLang="en-US" smtClean="0"/>
-              <a:t>2017/9/16</a:t>
+              <a:t>2017/9/17</a:t>
             </a:fld>
             <a:endParaRPr lang="zh-CN" altLang="en-US"/>
           </a:p>
@@ -4292,7 +4292,7 @@
           <a:p>
             <a:fld id="{153B01FE-AAF8-4F67-9A24-B4553AC20BCC}" type="datetimeFigureOut">
               <a:rPr lang="zh-CN" altLang="en-US" smtClean="0"/>
-              <a:t>2017/9/16</a:t>
+              <a:t>2017/9/17</a:t>
             </a:fld>
             <a:endParaRPr lang="zh-CN" altLang="en-US"/>
           </a:p>
@@ -4524,7 +4524,7 @@
           <a:p>
             <a:fld id="{153B01FE-AAF8-4F67-9A24-B4553AC20BCC}" type="datetimeFigureOut">
               <a:rPr lang="zh-CN" altLang="en-US" smtClean="0"/>
-              <a:t>2017/9/16</a:t>
+              <a:t>2017/9/17</a:t>
             </a:fld>
             <a:endParaRPr lang="zh-CN" altLang="en-US"/>
           </a:p>
@@ -4891,7 +4891,7 @@
           <a:p>
             <a:fld id="{153B01FE-AAF8-4F67-9A24-B4553AC20BCC}" type="datetimeFigureOut">
               <a:rPr lang="zh-CN" altLang="en-US" smtClean="0"/>
-              <a:t>2017/9/16</a:t>
+              <a:t>2017/9/17</a:t>
             </a:fld>
             <a:endParaRPr lang="zh-CN" altLang="en-US"/>
           </a:p>
@@ -5009,7 +5009,7 @@
           <a:p>
             <a:fld id="{153B01FE-AAF8-4F67-9A24-B4553AC20BCC}" type="datetimeFigureOut">
               <a:rPr lang="zh-CN" altLang="en-US" smtClean="0"/>
-              <a:t>2017/9/16</a:t>
+              <a:t>2017/9/17</a:t>
             </a:fld>
             <a:endParaRPr lang="zh-CN" altLang="en-US"/>
           </a:p>
@@ -5104,7 +5104,7 @@
           <a:p>
             <a:fld id="{153B01FE-AAF8-4F67-9A24-B4553AC20BCC}" type="datetimeFigureOut">
               <a:rPr lang="zh-CN" altLang="en-US" smtClean="0"/>
-              <a:t>2017/9/16</a:t>
+              <a:t>2017/9/17</a:t>
             </a:fld>
             <a:endParaRPr lang="zh-CN" altLang="en-US"/>
           </a:p>
@@ -5388,7 +5388,7 @@
           <a:p>
             <a:fld id="{153B01FE-AAF8-4F67-9A24-B4553AC20BCC}" type="datetimeFigureOut">
               <a:rPr lang="zh-CN" altLang="en-US" smtClean="0"/>
-              <a:t>2017/9/16</a:t>
+              <a:t>2017/9/17</a:t>
             </a:fld>
             <a:endParaRPr lang="zh-CN" altLang="en-US"/>
           </a:p>
@@ -5645,7 +5645,7 @@
           <a:p>
             <a:fld id="{153B01FE-AAF8-4F67-9A24-B4553AC20BCC}" type="datetimeFigureOut">
               <a:rPr lang="zh-CN" altLang="en-US" smtClean="0"/>
-              <a:t>2017/9/16</a:t>
+              <a:t>2017/9/17</a:t>
             </a:fld>
             <a:endParaRPr lang="zh-CN" altLang="en-US"/>
           </a:p>
@@ -5872,7 +5872,7 @@
           <a:p>
             <a:fld id="{153B01FE-AAF8-4F67-9A24-B4553AC20BCC}" type="datetimeFigureOut">
               <a:rPr lang="zh-CN" altLang="en-US" smtClean="0"/>
-              <a:t>2017/9/16</a:t>
+              <a:t>2017/9/17</a:t>
             </a:fld>
             <a:endParaRPr lang="zh-CN" altLang="en-US"/>
           </a:p>
@@ -7515,7 +7515,15 @@
             </a:r>
             <a:r>
               <a:rPr lang="zh-CN" altLang="en-US" dirty="0" smtClean="0"/>
-              <a:t>上传编辑手册文件时，不慎出现了合并冲突</a:t>
+              <a:t>上传编辑手册文件时，不慎出现</a:t>
+            </a:r>
+            <a:r>
+              <a:rPr lang="zh-CN" altLang="en-US" dirty="0" smtClean="0"/>
+              <a:t>了多个合并</a:t>
+            </a:r>
+            <a:r>
+              <a:rPr lang="zh-CN" altLang="en-US" dirty="0" smtClean="0"/>
+              <a:t>冲突</a:t>
             </a:r>
             <a:endParaRPr lang="en-US" altLang="zh-CN" dirty="0" smtClean="0"/>
           </a:p>
@@ -7541,11 +7549,7 @@
             </a:r>
             <a:r>
               <a:rPr lang="zh-CN" altLang="en-US" dirty="0" smtClean="0"/>
-              <a:t>版本控制功能，回退版本</a:t>
-            </a:r>
-            <a:r>
-              <a:rPr lang="zh-CN" altLang="en-US" dirty="0" smtClean="0"/>
-              <a:t>解决</a:t>
+              <a:t>版本控制功能，回退版本解决</a:t>
             </a:r>
             <a:endParaRPr lang="en-US" altLang="zh-CN" dirty="0" smtClean="0"/>
           </a:p>
@@ -7580,8 +7584,16 @@
               <a:t> </a:t>
             </a:r>
             <a:r>
+              <a:rPr lang="en-US" altLang="zh-CN" dirty="0" err="1" smtClean="0"/>
+              <a:t>Github</a:t>
+            </a:r>
+            <a:r>
               <a:rPr lang="zh-CN" altLang="en-US" dirty="0" smtClean="0"/>
-              <a:t>目前使用较为简单，后续注意：</a:t>
+              <a:t>使用配置较为</a:t>
+            </a:r>
+            <a:r>
+              <a:rPr lang="zh-CN" altLang="en-US" dirty="0" smtClean="0"/>
+              <a:t>简单，后续注意：</a:t>
             </a:r>
             <a:endParaRPr lang="en-US" altLang="zh-CN" dirty="0" smtClean="0"/>
           </a:p>
